--- a/4 ⚙️ Solution/70 🌳 Ambient/71 💠 Brand Things/00 📎 Assets/💠 .pptx
+++ b/4 ⚙️ Solution/70 🌳 Ambient/71 💠 Brand Things/00 📎 Assets/💠 .pptx
@@ -31,7 +31,7 @@
       <p:boldItalic r:id="rId15"/>
     </p:embeddedFont>
     <p:embeddedFont>
-      <p:font typeface="Amazon Ember Display" panose="020B0603020204020204" pitchFamily="34" charset="0"/>
+      <p:font typeface="Amazon Ember Display" panose="020F0603020204020204" pitchFamily="34" charset="0"/>
       <p:regular r:id="rId16"/>
       <p:bold r:id="rId17"/>
       <p:italic r:id="rId18"/>
@@ -725,7 +725,7 @@
           <a:p>
             <a:fld id="{542F96DF-134D-4F6A-BFA6-E032E504EEEB}" type="datetime8">
               <a:rPr lang="en-US" smtClean="0"/>
-              <a:t>4/22/25 9:15 PM</a:t>
+              <a:t>9/9/25 9:21 PM</a:t>
             </a:fld>
             <a:endParaRPr lang="en-US" dirty="0"/>
           </a:p>
@@ -932,7 +932,7 @@
           <a:p>
             <a:fld id="{542F96DF-134D-4F6A-BFA6-E032E504EEEB}" type="datetime8">
               <a:rPr lang="en-US" smtClean="0"/>
-              <a:t>4/22/25 9:15 PM</a:t>
+              <a:t>9/9/25 9:21 PM</a:t>
             </a:fld>
             <a:endParaRPr lang="en-US" dirty="0"/>
           </a:p>

--- a/4 ⚙️ Solution/70 🌳 Ambient/71 💠 Brand Things/00 📎 Assets/💠 .pptx
+++ b/4 ⚙️ Solution/70 🌳 Ambient/71 💠 Brand Things/00 📎 Assets/💠 .pptx
@@ -9193,7 +9193,7 @@
                     </a:glow>
                   </a:effectLst>
                 </a:rPr>
-                <a:t>🎩</a:t>
+                <a:t>🧳</a:t>
               </a:r>
               <a:r>
                 <a:rPr lang="en-GB" sz="2400" dirty="0">
@@ -15873,7 +15873,7 @@
                       </a:glow>
                     </a:effectLst>
                   </a:rPr>
-                  <a:t>🎩</a:t>
+                  <a:t>🧳</a:t>
                 </a:r>
                 <a:r>
                   <a:rPr lang="en-GB" sz="2400" dirty="0">
